--- a/项目展示-1.pptx
+++ b/项目展示-1.pptx
@@ -11,15 +11,16 @@
     <p:sldId id="267" r:id="rId5"/>
     <p:sldId id="268" r:id="rId6"/>
     <p:sldId id="269" r:id="rId7"/>
-    <p:sldId id="270" r:id="rId8"/>
-    <p:sldId id="261" r:id="rId9"/>
-    <p:sldId id="258" r:id="rId10"/>
-    <p:sldId id="259" r:id="rId11"/>
-    <p:sldId id="260" r:id="rId12"/>
-    <p:sldId id="262" r:id="rId13"/>
-    <p:sldId id="263" r:id="rId14"/>
-    <p:sldId id="264" r:id="rId15"/>
-    <p:sldId id="265" r:id="rId16"/>
+    <p:sldId id="271" r:id="rId8"/>
+    <p:sldId id="270" r:id="rId9"/>
+    <p:sldId id="261" r:id="rId10"/>
+    <p:sldId id="258" r:id="rId11"/>
+    <p:sldId id="259" r:id="rId12"/>
+    <p:sldId id="260" r:id="rId13"/>
+    <p:sldId id="262" r:id="rId14"/>
+    <p:sldId id="263" r:id="rId15"/>
+    <p:sldId id="264" r:id="rId16"/>
+    <p:sldId id="265" r:id="rId17"/>
   </p:sldIdLst>
   <p:sldSz cx="12192000" cy="6858000"/>
   <p:notesSz cx="6858000" cy="9144000"/>
@@ -273,7 +274,7 @@
           <a:p>
             <a:fld id="{0E993C3F-A2AA-462E-BB69-758B9B1B13A6}" type="datetimeFigureOut">
               <a:rPr lang="zh-CN" altLang="en-US" smtClean="0"/>
-              <a:t>2020/9/15</a:t>
+              <a:t>2020/9/16</a:t>
             </a:fld>
             <a:endParaRPr lang="zh-CN" altLang="en-US"/>
           </a:p>
@@ -471,7 +472,7 @@
           <a:p>
             <a:fld id="{0E993C3F-A2AA-462E-BB69-758B9B1B13A6}" type="datetimeFigureOut">
               <a:rPr lang="zh-CN" altLang="en-US" smtClean="0"/>
-              <a:t>2020/9/15</a:t>
+              <a:t>2020/9/16</a:t>
             </a:fld>
             <a:endParaRPr lang="zh-CN" altLang="en-US"/>
           </a:p>
@@ -679,7 +680,7 @@
           <a:p>
             <a:fld id="{0E993C3F-A2AA-462E-BB69-758B9B1B13A6}" type="datetimeFigureOut">
               <a:rPr lang="zh-CN" altLang="en-US" smtClean="0"/>
-              <a:t>2020/9/15</a:t>
+              <a:t>2020/9/16</a:t>
             </a:fld>
             <a:endParaRPr lang="zh-CN" altLang="en-US"/>
           </a:p>
@@ -877,7 +878,7 @@
           <a:p>
             <a:fld id="{0E993C3F-A2AA-462E-BB69-758B9B1B13A6}" type="datetimeFigureOut">
               <a:rPr lang="zh-CN" altLang="en-US" smtClean="0"/>
-              <a:t>2020/9/15</a:t>
+              <a:t>2020/9/16</a:t>
             </a:fld>
             <a:endParaRPr lang="zh-CN" altLang="en-US"/>
           </a:p>
@@ -1152,7 +1153,7 @@
           <a:p>
             <a:fld id="{0E993C3F-A2AA-462E-BB69-758B9B1B13A6}" type="datetimeFigureOut">
               <a:rPr lang="zh-CN" altLang="en-US" smtClean="0"/>
-              <a:t>2020/9/15</a:t>
+              <a:t>2020/9/16</a:t>
             </a:fld>
             <a:endParaRPr lang="zh-CN" altLang="en-US"/>
           </a:p>
@@ -1417,7 +1418,7 @@
           <a:p>
             <a:fld id="{0E993C3F-A2AA-462E-BB69-758B9B1B13A6}" type="datetimeFigureOut">
               <a:rPr lang="zh-CN" altLang="en-US" smtClean="0"/>
-              <a:t>2020/9/15</a:t>
+              <a:t>2020/9/16</a:t>
             </a:fld>
             <a:endParaRPr lang="zh-CN" altLang="en-US"/>
           </a:p>
@@ -1829,7 +1830,7 @@
           <a:p>
             <a:fld id="{0E993C3F-A2AA-462E-BB69-758B9B1B13A6}" type="datetimeFigureOut">
               <a:rPr lang="zh-CN" altLang="en-US" smtClean="0"/>
-              <a:t>2020/9/15</a:t>
+              <a:t>2020/9/16</a:t>
             </a:fld>
             <a:endParaRPr lang="zh-CN" altLang="en-US"/>
           </a:p>
@@ -1970,7 +1971,7 @@
           <a:p>
             <a:fld id="{0E993C3F-A2AA-462E-BB69-758B9B1B13A6}" type="datetimeFigureOut">
               <a:rPr lang="zh-CN" altLang="en-US" smtClean="0"/>
-              <a:t>2020/9/15</a:t>
+              <a:t>2020/9/16</a:t>
             </a:fld>
             <a:endParaRPr lang="zh-CN" altLang="en-US"/>
           </a:p>
@@ -2083,7 +2084,7 @@
           <a:p>
             <a:fld id="{0E993C3F-A2AA-462E-BB69-758B9B1B13A6}" type="datetimeFigureOut">
               <a:rPr lang="zh-CN" altLang="en-US" smtClean="0"/>
-              <a:t>2020/9/15</a:t>
+              <a:t>2020/9/16</a:t>
             </a:fld>
             <a:endParaRPr lang="zh-CN" altLang="en-US"/>
           </a:p>
@@ -2394,7 +2395,7 @@
           <a:p>
             <a:fld id="{0E993C3F-A2AA-462E-BB69-758B9B1B13A6}" type="datetimeFigureOut">
               <a:rPr lang="zh-CN" altLang="en-US" smtClean="0"/>
-              <a:t>2020/9/15</a:t>
+              <a:t>2020/9/16</a:t>
             </a:fld>
             <a:endParaRPr lang="zh-CN" altLang="en-US"/>
           </a:p>
@@ -2682,7 +2683,7 @@
           <a:p>
             <a:fld id="{0E993C3F-A2AA-462E-BB69-758B9B1B13A6}" type="datetimeFigureOut">
               <a:rPr lang="zh-CN" altLang="en-US" smtClean="0"/>
-              <a:t>2020/9/15</a:t>
+              <a:t>2020/9/16</a:t>
             </a:fld>
             <a:endParaRPr lang="zh-CN" altLang="en-US"/>
           </a:p>
@@ -2923,7 +2924,7 @@
           <a:p>
             <a:fld id="{0E993C3F-A2AA-462E-BB69-758B9B1B13A6}" type="datetimeFigureOut">
               <a:rPr lang="zh-CN" altLang="en-US" smtClean="0"/>
-              <a:t>2020/9/15</a:t>
+              <a:t>2020/9/16</a:t>
             </a:fld>
             <a:endParaRPr lang="zh-CN" altLang="en-US"/>
           </a:p>
@@ -3428,7 +3429,7 @@
           <p:cNvPr id="2" name="标题 1">
             <a:extLst>
               <a:ext uri="{FF2B5EF4-FFF2-40B4-BE49-F238E27FC236}">
-                <a16:creationId xmlns:a16="http://schemas.microsoft.com/office/drawing/2014/main" id="{700FA466-2BC8-448E-8F9D-0002F64FAC41}"/>
+                <a16:creationId xmlns:a16="http://schemas.microsoft.com/office/drawing/2014/main" id="{A45A4CE6-2906-4D2C-AC65-4D9C89E62F94}"/>
               </a:ext>
             </a:extLst>
           </p:cNvPr>
@@ -3446,7 +3447,7 @@
           <a:p>
             <a:r>
               <a:rPr lang="zh-CN" altLang="en-US" dirty="0"/>
-              <a:t>问题分析</a:t>
+              <a:t>总体流程计划</a:t>
             </a:r>
           </a:p>
         </p:txBody>
@@ -3456,7 +3457,7 @@
           <p:cNvPr id="3" name="内容占位符 2">
             <a:extLst>
               <a:ext uri="{FF2B5EF4-FFF2-40B4-BE49-F238E27FC236}">
-                <a16:creationId xmlns:a16="http://schemas.microsoft.com/office/drawing/2014/main" id="{0A28F096-23D7-4C53-886B-3E4D1EEF92A2}"/>
+                <a16:creationId xmlns:a16="http://schemas.microsoft.com/office/drawing/2014/main" id="{09260894-1ED6-4C26-9FFF-6BF8AA15F150}"/>
               </a:ext>
             </a:extLst>
           </p:cNvPr>
@@ -3474,14 +3475,32 @@
           <a:p>
             <a:r>
               <a:rPr lang="zh-CN" altLang="en-US" dirty="0"/>
-              <a:t>前后端进度不同</a:t>
+              <a:t>第一周：进行基本的学习和页面构建</a:t>
             </a:r>
             <a:endParaRPr lang="en-US" altLang="zh-CN" dirty="0"/>
           </a:p>
           <a:p>
             <a:r>
               <a:rPr lang="zh-CN" altLang="en-US" dirty="0"/>
-              <a:t>网站开发经验不足</a:t>
+              <a:t>第二周：完成所有前端页面，后端初步完成</a:t>
+            </a:r>
+            <a:r>
+              <a:rPr lang="en-US" altLang="zh-CN" dirty="0"/>
+              <a:t> API</a:t>
+            </a:r>
+          </a:p>
+          <a:p>
+            <a:r>
+              <a:rPr lang="zh-CN" altLang="en-US" dirty="0"/>
+              <a:t>第三周：页面 </a:t>
+            </a:r>
+            <a:r>
+              <a:rPr lang="en-US" altLang="zh-CN" dirty="0"/>
+              <a:t>API </a:t>
+            </a:r>
+            <a:r>
+              <a:rPr lang="zh-CN" altLang="en-US" dirty="0"/>
+              <a:t>调试</a:t>
             </a:r>
           </a:p>
         </p:txBody>
@@ -3489,7 +3508,7 @@
     </p:spTree>
     <p:extLst>
       <p:ext uri="{BB962C8B-B14F-4D97-AF65-F5344CB8AC3E}">
-        <p14:creationId xmlns:p14="http://schemas.microsoft.com/office/powerpoint/2010/main" val="2053815845"/>
+        <p14:creationId xmlns:p14="http://schemas.microsoft.com/office/powerpoint/2010/main" val="3739353374"/>
       </p:ext>
     </p:extLst>
   </p:cSld>
@@ -3521,7 +3540,7 @@
           <p:cNvPr id="2" name="标题 1">
             <a:extLst>
               <a:ext uri="{FF2B5EF4-FFF2-40B4-BE49-F238E27FC236}">
-                <a16:creationId xmlns:a16="http://schemas.microsoft.com/office/drawing/2014/main" id="{14375B67-B4E6-402C-9498-DB3824B0F3B4}"/>
+                <a16:creationId xmlns:a16="http://schemas.microsoft.com/office/drawing/2014/main" id="{700FA466-2BC8-448E-8F9D-0002F64FAC41}"/>
               </a:ext>
             </a:extLst>
           </p:cNvPr>
@@ -3539,50 +3558,50 @@
           <a:p>
             <a:r>
               <a:rPr lang="zh-CN" altLang="en-US" dirty="0"/>
-              <a:t>页面展示</a:t>
-            </a:r>
-          </a:p>
-        </p:txBody>
-      </p:sp>
-      <p:pic>
-        <p:nvPicPr>
-          <p:cNvPr id="5" name="内容占位符 4">
-            <a:extLst>
-              <a:ext uri="{FF2B5EF4-FFF2-40B4-BE49-F238E27FC236}">
-                <a16:creationId xmlns:a16="http://schemas.microsoft.com/office/drawing/2014/main" id="{F0CE3832-E045-457D-9A0B-4141A883B080}"/>
-              </a:ext>
-            </a:extLst>
-          </p:cNvPr>
-          <p:cNvPicPr>
-            <a:picLocks noGrp="1" noChangeAspect="1"/>
-          </p:cNvPicPr>
+              <a:t>问题分析</a:t>
+            </a:r>
+          </a:p>
+        </p:txBody>
+      </p:sp>
+      <p:sp>
+        <p:nvSpPr>
+          <p:cNvPr id="3" name="内容占位符 2">
+            <a:extLst>
+              <a:ext uri="{FF2B5EF4-FFF2-40B4-BE49-F238E27FC236}">
+                <a16:creationId xmlns:a16="http://schemas.microsoft.com/office/drawing/2014/main" id="{0A28F096-23D7-4C53-886B-3E4D1EEF92A2}"/>
+              </a:ext>
+            </a:extLst>
+          </p:cNvPr>
+          <p:cNvSpPr>
+            <a:spLocks noGrp="1"/>
+          </p:cNvSpPr>
           <p:nvPr>
             <p:ph idx="1"/>
           </p:nvPr>
-        </p:nvPicPr>
-        <p:blipFill>
-          <a:blip r:embed="rId2">
-            <a:extLst>
-              <a:ext uri="{28A0092B-C50C-407E-A947-70E740481C1C}">
-                <a14:useLocalDpi xmlns:a14="http://schemas.microsoft.com/office/drawing/2010/main" val="0"/>
-              </a:ext>
-            </a:extLst>
-          </a:blip>
-          <a:stretch>
-            <a:fillRect/>
-          </a:stretch>
-        </p:blipFill>
-        <p:spPr>
-          <a:xfrm>
-            <a:off x="1810370" y="1825625"/>
-            <a:ext cx="8571259" cy="4351338"/>
-          </a:xfrm>
-        </p:spPr>
-      </p:pic>
+        </p:nvSpPr>
+        <p:spPr/>
+        <p:txBody>
+          <a:bodyPr/>
+          <a:lstStyle/>
+          <a:p>
+            <a:r>
+              <a:rPr lang="zh-CN" altLang="en-US" dirty="0"/>
+              <a:t>前后端进度不同</a:t>
+            </a:r>
+            <a:endParaRPr lang="en-US" altLang="zh-CN" dirty="0"/>
+          </a:p>
+          <a:p>
+            <a:r>
+              <a:rPr lang="zh-CN" altLang="en-US" dirty="0"/>
+              <a:t>网站开发经验不足</a:t>
+            </a:r>
+          </a:p>
+        </p:txBody>
+      </p:sp>
     </p:spTree>
     <p:extLst>
       <p:ext uri="{BB962C8B-B14F-4D97-AF65-F5344CB8AC3E}">
-        <p14:creationId xmlns:p14="http://schemas.microsoft.com/office/powerpoint/2010/main" val="2082207871"/>
+        <p14:creationId xmlns:p14="http://schemas.microsoft.com/office/powerpoint/2010/main" val="2053815845"/>
       </p:ext>
     </p:extLst>
   </p:cSld>
@@ -3614,7 +3633,7 @@
           <p:cNvPr id="2" name="标题 1">
             <a:extLst>
               <a:ext uri="{FF2B5EF4-FFF2-40B4-BE49-F238E27FC236}">
-                <a16:creationId xmlns:a16="http://schemas.microsoft.com/office/drawing/2014/main" id="{C6A06754-99B1-475E-839A-71B866F2E223}"/>
+                <a16:creationId xmlns:a16="http://schemas.microsoft.com/office/drawing/2014/main" id="{14375B67-B4E6-402C-9498-DB3824B0F3B4}"/>
               </a:ext>
             </a:extLst>
           </p:cNvPr>
@@ -3630,7 +3649,10 @@
           <a:bodyPr/>
           <a:lstStyle/>
           <a:p>
-            <a:endParaRPr lang="zh-CN" altLang="en-US" dirty="0"/>
+            <a:r>
+              <a:rPr lang="zh-CN" altLang="en-US" dirty="0"/>
+              <a:t>页面展示</a:t>
+            </a:r>
           </a:p>
         </p:txBody>
       </p:sp>
@@ -3639,7 +3661,7 @@
           <p:cNvPr id="5" name="内容占位符 4">
             <a:extLst>
               <a:ext uri="{FF2B5EF4-FFF2-40B4-BE49-F238E27FC236}">
-                <a16:creationId xmlns:a16="http://schemas.microsoft.com/office/drawing/2014/main" id="{128BCAE2-F858-4948-BE04-B1D61035A668}"/>
+                <a16:creationId xmlns:a16="http://schemas.microsoft.com/office/drawing/2014/main" id="{F0CE3832-E045-457D-9A0B-4141A883B080}"/>
               </a:ext>
             </a:extLst>
           </p:cNvPr>
@@ -3664,15 +3686,15 @@
         </p:blipFill>
         <p:spPr>
           <a:xfrm>
-            <a:off x="4159306" y="1825625"/>
-            <a:ext cx="3873387" cy="4351338"/>
+            <a:off x="1810370" y="1825625"/>
+            <a:ext cx="8571259" cy="4351338"/>
           </a:xfrm>
         </p:spPr>
       </p:pic>
     </p:spTree>
     <p:extLst>
       <p:ext uri="{BB962C8B-B14F-4D97-AF65-F5344CB8AC3E}">
-        <p14:creationId xmlns:p14="http://schemas.microsoft.com/office/powerpoint/2010/main" val="2514725508"/>
+        <p14:creationId xmlns:p14="http://schemas.microsoft.com/office/powerpoint/2010/main" val="2082207871"/>
       </p:ext>
     </p:extLst>
   </p:cSld>
@@ -3704,7 +3726,7 @@
           <p:cNvPr id="2" name="标题 1">
             <a:extLst>
               <a:ext uri="{FF2B5EF4-FFF2-40B4-BE49-F238E27FC236}">
-                <a16:creationId xmlns:a16="http://schemas.microsoft.com/office/drawing/2014/main" id="{BB926CF1-23A7-49FD-8964-C3F3A2B45F5F}"/>
+                <a16:creationId xmlns:a16="http://schemas.microsoft.com/office/drawing/2014/main" id="{C6A06754-99B1-475E-839A-71B866F2E223}"/>
               </a:ext>
             </a:extLst>
           </p:cNvPr>
@@ -3720,7 +3742,7 @@
           <a:bodyPr/>
           <a:lstStyle/>
           <a:p>
-            <a:endParaRPr lang="zh-CN" altLang="en-US"/>
+            <a:endParaRPr lang="zh-CN" altLang="en-US" dirty="0"/>
           </a:p>
         </p:txBody>
       </p:sp>
@@ -3729,7 +3751,7 @@
           <p:cNvPr id="5" name="内容占位符 4">
             <a:extLst>
               <a:ext uri="{FF2B5EF4-FFF2-40B4-BE49-F238E27FC236}">
-                <a16:creationId xmlns:a16="http://schemas.microsoft.com/office/drawing/2014/main" id="{2B13343F-DC2E-45E6-B255-466176EC77DB}"/>
+                <a16:creationId xmlns:a16="http://schemas.microsoft.com/office/drawing/2014/main" id="{128BCAE2-F858-4948-BE04-B1D61035A668}"/>
               </a:ext>
             </a:extLst>
           </p:cNvPr>
@@ -3754,15 +3776,15 @@
         </p:blipFill>
         <p:spPr>
           <a:xfrm>
-            <a:off x="4238660" y="1825625"/>
-            <a:ext cx="3714679" cy="4351338"/>
+            <a:off x="4159306" y="1825625"/>
+            <a:ext cx="3873387" cy="4351338"/>
           </a:xfrm>
         </p:spPr>
       </p:pic>
     </p:spTree>
     <p:extLst>
       <p:ext uri="{BB962C8B-B14F-4D97-AF65-F5344CB8AC3E}">
-        <p14:creationId xmlns:p14="http://schemas.microsoft.com/office/powerpoint/2010/main" val="4006961182"/>
+        <p14:creationId xmlns:p14="http://schemas.microsoft.com/office/powerpoint/2010/main" val="2514725508"/>
       </p:ext>
     </p:extLst>
   </p:cSld>
@@ -3791,6 +3813,96 @@
       </p:grpSpPr>
       <p:sp>
         <p:nvSpPr>
+          <p:cNvPr id="2" name="标题 1">
+            <a:extLst>
+              <a:ext uri="{FF2B5EF4-FFF2-40B4-BE49-F238E27FC236}">
+                <a16:creationId xmlns:a16="http://schemas.microsoft.com/office/drawing/2014/main" id="{BB926CF1-23A7-49FD-8964-C3F3A2B45F5F}"/>
+              </a:ext>
+            </a:extLst>
+          </p:cNvPr>
+          <p:cNvSpPr>
+            <a:spLocks noGrp="1"/>
+          </p:cNvSpPr>
+          <p:nvPr>
+            <p:ph type="title"/>
+          </p:nvPr>
+        </p:nvSpPr>
+        <p:spPr/>
+        <p:txBody>
+          <a:bodyPr/>
+          <a:lstStyle/>
+          <a:p>
+            <a:endParaRPr lang="zh-CN" altLang="en-US"/>
+          </a:p>
+        </p:txBody>
+      </p:sp>
+      <p:pic>
+        <p:nvPicPr>
+          <p:cNvPr id="5" name="内容占位符 4">
+            <a:extLst>
+              <a:ext uri="{FF2B5EF4-FFF2-40B4-BE49-F238E27FC236}">
+                <a16:creationId xmlns:a16="http://schemas.microsoft.com/office/drawing/2014/main" id="{2B13343F-DC2E-45E6-B255-466176EC77DB}"/>
+              </a:ext>
+            </a:extLst>
+          </p:cNvPr>
+          <p:cNvPicPr>
+            <a:picLocks noGrp="1" noChangeAspect="1"/>
+          </p:cNvPicPr>
+          <p:nvPr>
+            <p:ph idx="1"/>
+          </p:nvPr>
+        </p:nvPicPr>
+        <p:blipFill>
+          <a:blip r:embed="rId2">
+            <a:extLst>
+              <a:ext uri="{28A0092B-C50C-407E-A947-70E740481C1C}">
+                <a14:useLocalDpi xmlns:a14="http://schemas.microsoft.com/office/drawing/2010/main" val="0"/>
+              </a:ext>
+            </a:extLst>
+          </a:blip>
+          <a:stretch>
+            <a:fillRect/>
+          </a:stretch>
+        </p:blipFill>
+        <p:spPr>
+          <a:xfrm>
+            <a:off x="4238660" y="1825625"/>
+            <a:ext cx="3714679" cy="4351338"/>
+          </a:xfrm>
+        </p:spPr>
+      </p:pic>
+    </p:spTree>
+    <p:extLst>
+      <p:ext uri="{BB962C8B-B14F-4D97-AF65-F5344CB8AC3E}">
+        <p14:creationId xmlns:p14="http://schemas.microsoft.com/office/powerpoint/2010/main" val="4006961182"/>
+      </p:ext>
+    </p:extLst>
+  </p:cSld>
+  <p:clrMapOvr>
+    <a:masterClrMapping/>
+  </p:clrMapOvr>
+</p:sld>
+</file>
+
+<file path=ppt/slides/slide15.xml><?xml version="1.0" encoding="utf-8"?>
+<p:sld xmlns:a="http://schemas.openxmlformats.org/drawingml/2006/main" xmlns:r="http://schemas.openxmlformats.org/officeDocument/2006/relationships" xmlns:p="http://schemas.openxmlformats.org/presentationml/2006/main">
+  <p:cSld>
+    <p:spTree>
+      <p:nvGrpSpPr>
+        <p:cNvPr id="1" name=""/>
+        <p:cNvGrpSpPr/>
+        <p:nvPr/>
+      </p:nvGrpSpPr>
+      <p:grpSpPr>
+        <a:xfrm>
+          <a:off x="0" y="0"/>
+          <a:ext cx="0" cy="0"/>
+          <a:chOff x="0" y="0"/>
+          <a:chExt cx="0" cy="0"/>
+        </a:xfrm>
+      </p:grpSpPr>
+      <p:sp>
+        <p:nvSpPr>
           <p:cNvPr id="7" name="标题 6">
             <a:extLst>
               <a:ext uri="{FF2B5EF4-FFF2-40B4-BE49-F238E27FC236}">
@@ -3862,7 +3974,7 @@
 </p:sld>
 </file>
 
-<file path=ppt/slides/slide15.xml><?xml version="1.0" encoding="utf-8"?>
+<file path=ppt/slides/slide16.xml><?xml version="1.0" encoding="utf-8"?>
 <p:sld xmlns:a="http://schemas.openxmlformats.org/drawingml/2006/main" xmlns:r="http://schemas.openxmlformats.org/officeDocument/2006/relationships" xmlns:p="http://schemas.openxmlformats.org/presentationml/2006/main">
   <p:cSld>
     <p:spTree>
@@ -4680,7 +4792,7 @@
           <p:cNvPr id="2" name="标题 1">
             <a:extLst>
               <a:ext uri="{FF2B5EF4-FFF2-40B4-BE49-F238E27FC236}">
-                <a16:creationId xmlns:a16="http://schemas.microsoft.com/office/drawing/2014/main" id="{A439C84F-F06D-4401-84FF-69F34EFF858F}"/>
+                <a16:creationId xmlns:a16="http://schemas.microsoft.com/office/drawing/2014/main" id="{F4E2F62A-25F6-4F9A-AF7C-E1343C8CFC57}"/>
               </a:ext>
             </a:extLst>
           </p:cNvPr>
@@ -4698,9 +4810,8 @@
           <a:p>
             <a:r>
               <a:rPr lang="zh-CN" altLang="en-US" dirty="0"/>
-              <a:t>个人感受</a:t>
-            </a:r>
-            <a:endParaRPr lang="en-US" dirty="0"/>
+              <a:t>数据库具体工作</a:t>
+            </a:r>
           </a:p>
         </p:txBody>
       </p:sp>
@@ -4709,7 +4820,7 @@
           <p:cNvPr id="3" name="内容占位符 2">
             <a:extLst>
               <a:ext uri="{FF2B5EF4-FFF2-40B4-BE49-F238E27FC236}">
-                <a16:creationId xmlns:a16="http://schemas.microsoft.com/office/drawing/2014/main" id="{A589FD44-7A03-45AC-AEFF-0728DE55F501}"/>
+                <a16:creationId xmlns:a16="http://schemas.microsoft.com/office/drawing/2014/main" id="{9C426DC8-B85F-4EEE-9B3C-CD0D4E017DBF}"/>
               </a:ext>
             </a:extLst>
           </p:cNvPr>
@@ -4727,31 +4838,29 @@
           <a:p>
             <a:r>
               <a:rPr lang="zh-CN" altLang="en-US" dirty="0"/>
-              <a:t>之前从来没有接触过</a:t>
-            </a:r>
-            <a:r>
-              <a:rPr lang="en-US" altLang="zh-CN" dirty="0"/>
-              <a:t>Django</a:t>
-            </a:r>
-            <a:r>
-              <a:rPr lang="zh-CN" altLang="en-US" dirty="0"/>
-              <a:t>框架，所以需要一段时间进行学习</a:t>
+              <a:t>按照需求设计数据库中的表</a:t>
             </a:r>
             <a:endParaRPr lang="en-US" altLang="zh-CN" dirty="0"/>
           </a:p>
           <a:p>
             <a:r>
               <a:rPr lang="zh-CN" altLang="en-US" dirty="0"/>
-              <a:t>当团队很大的时候，内部人员的交流就变得十分重要</a:t>
+              <a:t>连接数据库和后端</a:t>
             </a:r>
             <a:endParaRPr lang="en-US" altLang="zh-CN" dirty="0"/>
+          </a:p>
+          <a:p>
+            <a:r>
+              <a:rPr lang="zh-CN" altLang="en-US" dirty="0"/>
+              <a:t>编写数据库操作类函数即数据的增删改查</a:t>
+            </a:r>
           </a:p>
         </p:txBody>
       </p:sp>
     </p:spTree>
     <p:extLst>
       <p:ext uri="{BB962C8B-B14F-4D97-AF65-F5344CB8AC3E}">
-        <p14:creationId xmlns:p14="http://schemas.microsoft.com/office/powerpoint/2010/main" val="1857213156"/>
+        <p14:creationId xmlns:p14="http://schemas.microsoft.com/office/powerpoint/2010/main" val="3395793188"/>
       </p:ext>
     </p:extLst>
   </p:cSld>
@@ -4783,7 +4892,7 @@
           <p:cNvPr id="2" name="标题 1">
             <a:extLst>
               <a:ext uri="{FF2B5EF4-FFF2-40B4-BE49-F238E27FC236}">
-                <a16:creationId xmlns:a16="http://schemas.microsoft.com/office/drawing/2014/main" id="{0F366785-B3A9-4F2F-B478-D788D62D9FED}"/>
+                <a16:creationId xmlns:a16="http://schemas.microsoft.com/office/drawing/2014/main" id="{A439C84F-F06D-4401-84FF-69F34EFF858F}"/>
               </a:ext>
             </a:extLst>
           </p:cNvPr>
@@ -4801,8 +4910,9 @@
           <a:p>
             <a:r>
               <a:rPr lang="zh-CN" altLang="en-US" dirty="0"/>
-              <a:t>项目介绍</a:t>
-            </a:r>
+              <a:t>个人感受</a:t>
+            </a:r>
+            <a:endParaRPr lang="en-US" dirty="0"/>
           </a:p>
         </p:txBody>
       </p:sp>
@@ -4811,7 +4921,7 @@
           <p:cNvPr id="3" name="内容占位符 2">
             <a:extLst>
               <a:ext uri="{FF2B5EF4-FFF2-40B4-BE49-F238E27FC236}">
-                <a16:creationId xmlns:a16="http://schemas.microsoft.com/office/drawing/2014/main" id="{EAF557A3-3912-43A3-B308-A75586F75E97}"/>
+                <a16:creationId xmlns:a16="http://schemas.microsoft.com/office/drawing/2014/main" id="{A589FD44-7A03-45AC-AEFF-0728DE55F501}"/>
               </a:ext>
             </a:extLst>
           </p:cNvPr>
@@ -4829,52 +4939,22 @@
           <a:p>
             <a:r>
               <a:rPr lang="zh-CN" altLang="en-US" dirty="0"/>
-              <a:t>一个允许用户自由上传相片的网站</a:t>
+              <a:t>之前从来没有接触过</a:t>
+            </a:r>
+            <a:r>
+              <a:rPr lang="en-US" altLang="zh-CN" dirty="0"/>
+              <a:t>Django</a:t>
+            </a:r>
+            <a:r>
+              <a:rPr lang="zh-CN" altLang="en-US" dirty="0"/>
+              <a:t>框架，所以需要一段时间进行学习</a:t>
             </a:r>
             <a:endParaRPr lang="en-US" altLang="zh-CN" dirty="0"/>
           </a:p>
           <a:p>
             <a:r>
               <a:rPr lang="zh-CN" altLang="en-US" dirty="0"/>
-              <a:t>首页</a:t>
-            </a:r>
-            <a:endParaRPr lang="en-US" altLang="zh-CN" dirty="0"/>
-          </a:p>
-          <a:p>
-            <a:pPr lvl="1"/>
-            <a:r>
-              <a:rPr lang="zh-CN" altLang="en-US" dirty="0"/>
-              <a:t>进行相册展示</a:t>
-            </a:r>
-            <a:endParaRPr lang="en-US" altLang="zh-CN" dirty="0"/>
-          </a:p>
-          <a:p>
-            <a:r>
-              <a:rPr lang="zh-CN" altLang="en-US" dirty="0"/>
-              <a:t>相册页</a:t>
-            </a:r>
-            <a:endParaRPr lang="en-US" altLang="zh-CN" dirty="0"/>
-          </a:p>
-          <a:p>
-            <a:pPr lvl="1"/>
-            <a:r>
-              <a:rPr lang="zh-CN" altLang="en-US" dirty="0"/>
-              <a:t>展示相册内的所有照片</a:t>
-            </a:r>
-            <a:endParaRPr lang="en-US" altLang="zh-CN" dirty="0"/>
-          </a:p>
-          <a:p>
-            <a:r>
-              <a:rPr lang="zh-CN" altLang="en-US" dirty="0"/>
-              <a:t>登陆、注册页</a:t>
-            </a:r>
-            <a:endParaRPr lang="en-US" altLang="zh-CN" dirty="0"/>
-          </a:p>
-          <a:p>
-            <a:pPr lvl="1"/>
-            <a:r>
-              <a:rPr lang="zh-CN" altLang="en-US" dirty="0"/>
-              <a:t>用户进行登陆注册</a:t>
+              <a:t>当团队很大的时候，内部人员的交流就变得十分重要</a:t>
             </a:r>
             <a:endParaRPr lang="en-US" altLang="zh-CN" dirty="0"/>
           </a:p>
@@ -4883,7 +4963,7 @@
     </p:spTree>
     <p:extLst>
       <p:ext uri="{BB962C8B-B14F-4D97-AF65-F5344CB8AC3E}">
-        <p14:creationId xmlns:p14="http://schemas.microsoft.com/office/powerpoint/2010/main" val="3488536208"/>
+        <p14:creationId xmlns:p14="http://schemas.microsoft.com/office/powerpoint/2010/main" val="1857213156"/>
       </p:ext>
     </p:extLst>
   </p:cSld>
@@ -4915,7 +4995,7 @@
           <p:cNvPr id="2" name="标题 1">
             <a:extLst>
               <a:ext uri="{FF2B5EF4-FFF2-40B4-BE49-F238E27FC236}">
-                <a16:creationId xmlns:a16="http://schemas.microsoft.com/office/drawing/2014/main" id="{A45A4CE6-2906-4D2C-AC65-4D9C89E62F94}"/>
+                <a16:creationId xmlns:a16="http://schemas.microsoft.com/office/drawing/2014/main" id="{0F366785-B3A9-4F2F-B478-D788D62D9FED}"/>
               </a:ext>
             </a:extLst>
           </p:cNvPr>
@@ -4933,7 +5013,7 @@
           <a:p>
             <a:r>
               <a:rPr lang="zh-CN" altLang="en-US" dirty="0"/>
-              <a:t>总体流程计划</a:t>
+              <a:t>项目介绍</a:t>
             </a:r>
           </a:p>
         </p:txBody>
@@ -4943,7 +5023,7 @@
           <p:cNvPr id="3" name="内容占位符 2">
             <a:extLst>
               <a:ext uri="{FF2B5EF4-FFF2-40B4-BE49-F238E27FC236}">
-                <a16:creationId xmlns:a16="http://schemas.microsoft.com/office/drawing/2014/main" id="{09260894-1ED6-4C26-9FFF-6BF8AA15F150}"/>
+                <a16:creationId xmlns:a16="http://schemas.microsoft.com/office/drawing/2014/main" id="{EAF557A3-3912-43A3-B308-A75586F75E97}"/>
               </a:ext>
             </a:extLst>
           </p:cNvPr>
@@ -4961,40 +5041,61 @@
           <a:p>
             <a:r>
               <a:rPr lang="zh-CN" altLang="en-US" dirty="0"/>
-              <a:t>第一周：进行基本的学习和页面构建</a:t>
+              <a:t>一个允许用户自由上传相片的网站</a:t>
             </a:r>
             <a:endParaRPr lang="en-US" altLang="zh-CN" dirty="0"/>
           </a:p>
           <a:p>
             <a:r>
               <a:rPr lang="zh-CN" altLang="en-US" dirty="0"/>
-              <a:t>第二周：完成所有前端页面，后端初步完成</a:t>
-            </a:r>
-            <a:r>
-              <a:rPr lang="en-US" altLang="zh-CN" dirty="0"/>
-              <a:t> API</a:t>
-            </a:r>
-          </a:p>
-          <a:p>
-            <a:r>
-              <a:rPr lang="zh-CN" altLang="en-US" dirty="0"/>
-              <a:t>第三周：页面 </a:t>
-            </a:r>
-            <a:r>
-              <a:rPr lang="en-US" altLang="zh-CN" dirty="0"/>
-              <a:t>API </a:t>
-            </a:r>
-            <a:r>
-              <a:rPr lang="zh-CN" altLang="en-US" dirty="0"/>
-              <a:t>调试</a:t>
-            </a:r>
+              <a:t>首页</a:t>
+            </a:r>
+            <a:endParaRPr lang="en-US" altLang="zh-CN" dirty="0"/>
+          </a:p>
+          <a:p>
+            <a:pPr lvl="1"/>
+            <a:r>
+              <a:rPr lang="zh-CN" altLang="en-US" dirty="0"/>
+              <a:t>进行相册展示</a:t>
+            </a:r>
+            <a:endParaRPr lang="en-US" altLang="zh-CN" dirty="0"/>
+          </a:p>
+          <a:p>
+            <a:r>
+              <a:rPr lang="zh-CN" altLang="en-US" dirty="0"/>
+              <a:t>相册页</a:t>
+            </a:r>
+            <a:endParaRPr lang="en-US" altLang="zh-CN" dirty="0"/>
+          </a:p>
+          <a:p>
+            <a:pPr lvl="1"/>
+            <a:r>
+              <a:rPr lang="zh-CN" altLang="en-US" dirty="0"/>
+              <a:t>展示相册内的所有照片</a:t>
+            </a:r>
+            <a:endParaRPr lang="en-US" altLang="zh-CN" dirty="0"/>
+          </a:p>
+          <a:p>
+            <a:r>
+              <a:rPr lang="zh-CN" altLang="en-US" dirty="0"/>
+              <a:t>登陆、注册页</a:t>
+            </a:r>
+            <a:endParaRPr lang="en-US" altLang="zh-CN" dirty="0"/>
+          </a:p>
+          <a:p>
+            <a:pPr lvl="1"/>
+            <a:r>
+              <a:rPr lang="zh-CN" altLang="en-US" dirty="0"/>
+              <a:t>用户进行登陆注册</a:t>
+            </a:r>
+            <a:endParaRPr lang="en-US" altLang="zh-CN" dirty="0"/>
           </a:p>
         </p:txBody>
       </p:sp>
     </p:spTree>
     <p:extLst>
       <p:ext uri="{BB962C8B-B14F-4D97-AF65-F5344CB8AC3E}">
-        <p14:creationId xmlns:p14="http://schemas.microsoft.com/office/powerpoint/2010/main" val="3739353374"/>
+        <p14:creationId xmlns:p14="http://schemas.microsoft.com/office/powerpoint/2010/main" val="3488536208"/>
       </p:ext>
     </p:extLst>
   </p:cSld>
